--- a/graphAlgorithms/mcflow/figs.pptx
+++ b/graphAlgorithms/mcflow/figs.pptx
@@ -1681,6 +1681,14 @@
 <file path=ppt/slideLayouts/slideLayout13.xml><?xml version="1.0" encoding="utf-8"?>
 <p:sldLayout xmlns:a="http://schemas.openxmlformats.org/drawingml/2006/main" xmlns:r="http://schemas.openxmlformats.org/officeDocument/2006/relationships" xmlns:p="http://schemas.openxmlformats.org/presentationml/2006/main" type="obj" preserve="1">
   <p:cSld name="Title and Content">
+    <p:bg>
+      <p:bgPr>
+        <a:solidFill>
+          <a:srgbClr val="FFFFE0"/>
+        </a:solidFill>
+        <a:effectLst/>
+      </p:bgPr>
+    </p:bg>
     <p:spTree>
       <p:nvGrpSpPr>
         <p:cNvPr id="1" name=""/>
@@ -17639,14 +17647,14 @@
           </p:nvSpPr>
           <p:spPr bwMode="auto">
             <a:xfrm>
-              <a:off x="2293693" y="5221184"/>
+              <a:off x="2235818" y="5221184"/>
               <a:ext cx="687689" cy="246221"/>
             </a:xfrm>
             <a:prstGeom prst="rect">
               <a:avLst/>
             </a:prstGeom>
             <a:solidFill>
-              <a:schemeClr val="bg1"/>
+              <a:srgbClr val="FFFFE0"/>
             </a:solidFill>
             <a:ln w="12700">
               <a:noFill/>
@@ -17699,7 +17707,7 @@
               <a:avLst/>
             </a:prstGeom>
             <a:solidFill>
-              <a:schemeClr val="bg1"/>
+              <a:srgbClr val="FFFFE0"/>
             </a:solidFill>
             <a:ln w="12700">
               <a:noFill/>
@@ -17752,7 +17760,7 @@
               <a:avLst/>
             </a:prstGeom>
             <a:solidFill>
-              <a:schemeClr val="bg1"/>
+              <a:srgbClr val="FFFFE0"/>
             </a:solidFill>
             <a:ln w="12700">
               <a:noFill/>
@@ -17805,7 +17813,7 @@
               <a:avLst/>
             </a:prstGeom>
             <a:solidFill>
-              <a:schemeClr val="bg1"/>
+              <a:srgbClr val="FFFFE0"/>
             </a:solidFill>
             <a:ln w="12700">
               <a:noFill/>
